--- a/计算机图形学资料/计算机图形学资料/计算机图形学实验.pptx
+++ b/计算机图形学资料/计算机图形学资料/计算机图形学实验.pptx
@@ -1687,7 +1687,7 @@
           <p:nvPr userDrawn="1"/>
         </p:nvPicPr>
         <p:blipFill>
-          <a:blip r:embed="rId2">
+          <a:blip r:embed="rId2" cstate="print">
             <a:extLst>
               <a:ext uri="{28A0092B-C50C-407E-A947-70E740481C1C}">
                 <a14:useLocalDpi xmlns:a14="http://schemas.microsoft.com/office/drawing/2010/main" val="0"/>
@@ -3943,7 +3943,7 @@
           <p:nvPr userDrawn="1"/>
         </p:nvPicPr>
         <p:blipFill>
-          <a:blip r:embed="rId13">
+          <a:blip r:embed="rId13" cstate="print">
             <a:extLst>
               <a:ext uri="{28A0092B-C50C-407E-A947-70E740481C1C}">
                 <a14:useLocalDpi xmlns:a14="http://schemas.microsoft.com/office/drawing/2010/main" val="0"/>
@@ -12738,20 +12738,12 @@
               </a:lnSpc>
             </a:pPr>
             <a:r>
-              <a:rPr lang="en-US" altLang="zh-CN" b="1" dirty="0" err="1">
-                <a:latin typeface="Times New Roman" panose="02020603050405020304" pitchFamily="18" charset="0"/>
-                <a:ea typeface="楷体_GB2312" pitchFamily="49" charset="-122"/>
-                <a:cs typeface="Times New Roman" panose="02020603050405020304" pitchFamily="18" charset="0"/>
-              </a:rPr>
-              <a:t>glut.h</a:t>
-            </a:r>
-            <a:r>
               <a:rPr lang="en-US" altLang="zh-CN" b="1" dirty="0">
                 <a:latin typeface="Times New Roman" panose="02020603050405020304" pitchFamily="18" charset="0"/>
                 <a:ea typeface="楷体_GB2312" pitchFamily="49" charset="-122"/>
                 <a:cs typeface="Times New Roman" panose="02020603050405020304" pitchFamily="18" charset="0"/>
               </a:rPr>
-              <a:t> </a:t>
+              <a:t>GL</a:t>
             </a:r>
           </a:p>
           <a:p>
@@ -12761,20 +12753,12 @@
               </a:lnSpc>
             </a:pPr>
             <a:r>
-              <a:rPr lang="en-US" altLang="zh-CN" b="1" dirty="0" err="1">
-                <a:latin typeface="Times New Roman" panose="02020603050405020304" pitchFamily="18" charset="0"/>
-                <a:ea typeface="楷体_GB2312" pitchFamily="49" charset="-122"/>
-                <a:cs typeface="Times New Roman" panose="02020603050405020304" pitchFamily="18" charset="0"/>
-              </a:rPr>
-              <a:t>glut.dll</a:t>
-            </a:r>
-            <a:r>
               <a:rPr lang="en-US" altLang="zh-CN" b="1" dirty="0">
                 <a:latin typeface="Times New Roman" panose="02020603050405020304" pitchFamily="18" charset="0"/>
                 <a:ea typeface="楷体_GB2312" pitchFamily="49" charset="-122"/>
                 <a:cs typeface="Times New Roman" panose="02020603050405020304" pitchFamily="18" charset="0"/>
               </a:rPr>
-              <a:t>, glu32.dll</a:t>
+              <a:t>freeglut.dll</a:t>
             </a:r>
           </a:p>
           <a:p>
@@ -12789,28 +12773,16 @@
                 <a:ea typeface="楷体_GB2312" pitchFamily="49" charset="-122"/>
                 <a:cs typeface="Times New Roman" panose="02020603050405020304" pitchFamily="18" charset="0"/>
               </a:rPr>
-              <a:t>glut32.lib, </a:t>
-            </a:r>
-            <a:r>
-              <a:rPr lang="en-US" altLang="zh-CN" b="1" dirty="0" err="1">
+              <a:t>freeglut</a:t>
+            </a:r>
+            <a:r>
+              <a:rPr lang="en-US" altLang="zh-CN" b="1">
                 <a:latin typeface="Times New Roman" panose="02020603050405020304" pitchFamily="18" charset="0"/>
                 <a:ea typeface="楷体_GB2312" pitchFamily="49" charset="-122"/>
                 <a:cs typeface="Times New Roman" panose="02020603050405020304" pitchFamily="18" charset="0"/>
               </a:rPr>
-              <a:t>glut.lib</a:t>
-            </a:r>
-            <a:endParaRPr lang="en-US" altLang="zh-CN" b="1" dirty="0">
-              <a:latin typeface="Times New Roman" panose="02020603050405020304" pitchFamily="18" charset="0"/>
-              <a:ea typeface="楷体_GB2312" pitchFamily="49" charset="-122"/>
-              <a:cs typeface="Times New Roman" panose="02020603050405020304" pitchFamily="18" charset="0"/>
-            </a:endParaRPr>
-          </a:p>
-          <a:p>
-            <a:pPr eaLnBrk="1" hangingPunct="1">
-              <a:lnSpc>
-                <a:spcPct val="130000"/>
-              </a:lnSpc>
-            </a:pPr>
+              <a:t>.lib</a:t>
+            </a:r>
             <a:endParaRPr lang="en-US" altLang="zh-CN" sz="2800" b="1" dirty="0">
               <a:latin typeface="Microsoft Sans Serif" panose="020B0604020202020204" pitchFamily="34" charset="0"/>
             </a:endParaRPr>
